--- a/CRM/第七組_CRM.pptx
+++ b/CRM/第七組_CRM.pptx
@@ -2523,8 +2523,8 @@
     <dgm:cxn modelId="{895AF7BA-D14C-4BB9-8327-5490390F1903}" type="presOf" srcId="{94541D3D-3765-4B6A-92F8-92C22DCE541A}" destId="{B53BF0CB-D13B-4467-959A-C19DEC755366}" srcOrd="0" destOrd="0" presId="urn:microsoft.com/office/officeart/2005/8/layout/orgChart1"/>
     <dgm:cxn modelId="{42E76304-92F6-4B7A-B78A-EF294FBDB4CD}" type="presOf" srcId="{D0288ED6-84A5-4E7D-9440-F871B237E673}" destId="{C360C3FE-BBE1-4070-9896-D473A3ECBFC4}" srcOrd="0" destOrd="0" presId="urn:microsoft.com/office/officeart/2005/8/layout/orgChart1"/>
     <dgm:cxn modelId="{EBFF8429-1F45-41E7-AE61-179407B2C669}" type="presOf" srcId="{FCDE8AD2-906E-481D-AC54-9C574C04DC8A}" destId="{17E8EE99-3A33-4E01-B894-15F79FEF7309}" srcOrd="0" destOrd="0" presId="urn:microsoft.com/office/officeart/2005/8/layout/orgChart1"/>
+    <dgm:cxn modelId="{953158B5-F660-4773-B925-DCA18B689A65}" type="presOf" srcId="{9D0C02B1-CA1A-4304-8563-06B121E61C62}" destId="{D7F9BF31-FB14-444B-8A2B-D45E2D2DA9D4}" srcOrd="1" destOrd="0" presId="urn:microsoft.com/office/officeart/2005/8/layout/orgChart1"/>
     <dgm:cxn modelId="{62726991-4423-4370-B16A-C0FE928C1BFB}" srcId="{9D0C02B1-CA1A-4304-8563-06B121E61C62}" destId="{5A48526F-0ED8-43DC-B14F-20C0D9E6B89E}" srcOrd="2" destOrd="0" parTransId="{FCDE8AD2-906E-481D-AC54-9C574C04DC8A}" sibTransId="{3850F1DE-10C5-425A-A8BC-EB4B34AFF89C}"/>
-    <dgm:cxn modelId="{953158B5-F660-4773-B925-DCA18B689A65}" type="presOf" srcId="{9D0C02B1-CA1A-4304-8563-06B121E61C62}" destId="{D7F9BF31-FB14-444B-8A2B-D45E2D2DA9D4}" srcOrd="1" destOrd="0" presId="urn:microsoft.com/office/officeart/2005/8/layout/orgChart1"/>
     <dgm:cxn modelId="{ED07359C-F2E9-4613-AE15-BCCD27182A9A}" srcId="{94541D3D-3765-4B6A-92F8-92C22DCE541A}" destId="{D0288ED6-84A5-4E7D-9440-F871B237E673}" srcOrd="0" destOrd="0" parTransId="{19D5EB8B-4F52-4CB2-A7E8-7E58AD4FD2B6}" sibTransId="{1789D308-8795-4ABC-A6A9-64E943A76740}"/>
     <dgm:cxn modelId="{D2BE2AB0-ECAF-4D42-97F2-3D36CE01C431}" srcId="{4A846F89-1A20-4C69-A212-F7128DAFCD6F}" destId="{2B8D63F1-939B-4CA1-9BA9-B9EF2B0C816C}" srcOrd="0" destOrd="0" parTransId="{05B959F8-1616-4431-9762-45F867D9AB38}" sibTransId="{400CF059-32A8-4EE7-BB35-1386C24F1B00}"/>
     <dgm:cxn modelId="{746ED490-8936-45FA-813C-336F9C01A818}" type="presOf" srcId="{509B1AD7-28DB-445C-B2E5-C3C60AF0D699}" destId="{2083BD69-014D-4478-8F37-141D7955D9CA}" srcOrd="1" destOrd="0" presId="urn:microsoft.com/office/officeart/2005/8/layout/orgChart1"/>
@@ -6894,7 +6894,7 @@
           <a:p>
             <a:fld id="{9AABBE5D-DA75-47BE-BB78-CFB79A98DDFE}" type="datetimeFigureOut">
               <a:rPr lang="zh-TW" altLang="en-US" smtClean="0"/>
-              <a:t>2018/6/7</a:t>
+              <a:t>2018/6/13</a:t>
             </a:fld>
             <a:endParaRPr lang="zh-TW" altLang="en-US"/>
           </a:p>
@@ -7059,7 +7059,7 @@
           <a:p>
             <a:fld id="{70ECFCED-1F75-4954-86AF-6D9D9980663F}" type="datetimeFigureOut">
               <a:rPr lang="zh-TW" altLang="en-US" smtClean="0"/>
-              <a:t>2018/6/7</a:t>
+              <a:t>2018/6/13</a:t>
             </a:fld>
             <a:endParaRPr lang="zh-TW" altLang="en-US"/>
           </a:p>
@@ -7542,7 +7542,7 @@
           <a:p>
             <a:fld id="{131C5E65-A6F6-44C6-838C-7012489E5F0A}" type="datetime1">
               <a:rPr lang="zh-TW" altLang="en-US" smtClean="0"/>
-              <a:t>2018/6/7</a:t>
+              <a:t>2018/6/13</a:t>
             </a:fld>
             <a:endParaRPr lang="zh-TW" altLang="en-US"/>
           </a:p>
@@ -7712,7 +7712,7 @@
           <a:p>
             <a:fld id="{7F443CA9-FF04-46A3-9E62-372B006808EA}" type="datetime1">
               <a:rPr lang="zh-TW" altLang="en-US" smtClean="0"/>
-              <a:t>2018/6/7</a:t>
+              <a:t>2018/6/13</a:t>
             </a:fld>
             <a:endParaRPr lang="zh-TW" altLang="en-US"/>
           </a:p>
@@ -7892,7 +7892,7 @@
           <a:p>
             <a:fld id="{D31D1A07-8441-4E95-9E4F-35BEAAD891D7}" type="datetime1">
               <a:rPr lang="zh-TW" altLang="en-US" smtClean="0"/>
-              <a:t>2018/6/7</a:t>
+              <a:t>2018/6/13</a:t>
             </a:fld>
             <a:endParaRPr lang="zh-TW" altLang="en-US"/>
           </a:p>
@@ -8062,7 +8062,7 @@
           <a:p>
             <a:fld id="{CC264466-B804-447F-A850-443AEEB17C80}" type="datetime1">
               <a:rPr lang="zh-TW" altLang="en-US" smtClean="0"/>
-              <a:t>2018/6/7</a:t>
+              <a:t>2018/6/13</a:t>
             </a:fld>
             <a:endParaRPr lang="zh-TW" altLang="en-US"/>
           </a:p>
@@ -8321,7 +8321,7 @@
           <a:p>
             <a:fld id="{3996AC50-8D5E-408B-AC04-6E3E3AFA896B}" type="datetime1">
               <a:rPr lang="zh-TW" altLang="en-US" smtClean="0"/>
-              <a:t>2018/6/7</a:t>
+              <a:t>2018/6/13</a:t>
             </a:fld>
             <a:endParaRPr lang="zh-TW" altLang="en-US"/>
           </a:p>
@@ -8553,7 +8553,7 @@
           <a:p>
             <a:fld id="{81E07309-3867-4B4F-B764-436A8D7DF5CD}" type="datetime1">
               <a:rPr lang="zh-TW" altLang="en-US" smtClean="0"/>
-              <a:t>2018/6/7</a:t>
+              <a:t>2018/6/13</a:t>
             </a:fld>
             <a:endParaRPr lang="zh-TW" altLang="en-US"/>
           </a:p>
@@ -8920,7 +8920,7 @@
           <a:p>
             <a:fld id="{CC9753A3-02A6-4856-958E-704EB1AC70D4}" type="datetime1">
               <a:rPr lang="zh-TW" altLang="en-US" smtClean="0"/>
-              <a:t>2018/6/7</a:t>
+              <a:t>2018/6/13</a:t>
             </a:fld>
             <a:endParaRPr lang="zh-TW" altLang="en-US"/>
           </a:p>
@@ -9038,7 +9038,7 @@
           <a:p>
             <a:fld id="{41991FF5-8262-46A8-A6A2-EB35249E5A49}" type="datetime1">
               <a:rPr lang="zh-TW" altLang="en-US" smtClean="0"/>
-              <a:t>2018/6/7</a:t>
+              <a:t>2018/6/13</a:t>
             </a:fld>
             <a:endParaRPr lang="zh-TW" altLang="en-US"/>
           </a:p>
@@ -9133,7 +9133,7 @@
           <a:p>
             <a:fld id="{9043511A-EE21-471D-8E8C-C9F8D8F41ED5}" type="datetime1">
               <a:rPr lang="zh-TW" altLang="en-US" smtClean="0"/>
-              <a:t>2018/6/7</a:t>
+              <a:t>2018/6/13</a:t>
             </a:fld>
             <a:endParaRPr lang="zh-TW" altLang="en-US"/>
           </a:p>
@@ -9410,7 +9410,7 @@
           <a:p>
             <a:fld id="{9A54CEDE-DEEE-4F76-8372-8AF0A71DC535}" type="datetime1">
               <a:rPr lang="zh-TW" altLang="en-US" smtClean="0"/>
-              <a:t>2018/6/7</a:t>
+              <a:t>2018/6/13</a:t>
             </a:fld>
             <a:endParaRPr lang="zh-TW" altLang="en-US"/>
           </a:p>
@@ -9663,7 +9663,7 @@
           <a:p>
             <a:fld id="{D395F02A-EE52-4785-916E-1A2C21E9840D}" type="datetime1">
               <a:rPr lang="zh-TW" altLang="en-US" smtClean="0"/>
-              <a:t>2018/6/7</a:t>
+              <a:t>2018/6/13</a:t>
             </a:fld>
             <a:endParaRPr lang="zh-TW" altLang="en-US"/>
           </a:p>
@@ -9876,7 +9876,7 @@
           <a:p>
             <a:fld id="{AEDEFE3D-AD9C-435D-AAE3-E555506A37AD}" type="datetime1">
               <a:rPr lang="zh-TW" altLang="en-US" smtClean="0"/>
-              <a:t>2018/6/7</a:t>
+              <a:t>2018/6/13</a:t>
             </a:fld>
             <a:endParaRPr lang="zh-TW" altLang="en-US"/>
           </a:p>
@@ -10321,7 +10321,7 @@
           <a:p>
             <a:pPr lvl="0"/>
             <a:r>
-              <a:rPr lang="zh-TW" altLang="en-US" sz="4800" b="1" dirty="0" smtClean="0">
+              <a:rPr lang="zh-TW" altLang="en-US" b="1" dirty="0" smtClean="0">
                 <a:solidFill>
                   <a:srgbClr val="0066CC"/>
                 </a:solidFill>
@@ -10331,7 +10331,7 @@
               <a:t>顧客</a:t>
             </a:r>
             <a:r>
-              <a:rPr lang="zh-TW" altLang="en-US" sz="4800" b="1" dirty="0">
+              <a:rPr lang="zh-TW" altLang="en-US" b="1" dirty="0">
                 <a:solidFill>
                   <a:srgbClr val="0066CC"/>
                 </a:solidFill>
@@ -10341,27 +10341,27 @@
               <a:t>關係管理之</a:t>
             </a:r>
             <a:r>
-              <a:rPr lang="zh-TW" altLang="en-US" sz="4800" b="1" dirty="0" smtClean="0">
+              <a:rPr lang="zh-TW" altLang="en-US" b="1" dirty="0" smtClean="0">
                 <a:solidFill>
                   <a:srgbClr val="0066CC"/>
                 </a:solidFill>
                 <a:latin typeface="微軟正黑體" panose="020B0604030504040204" pitchFamily="34" charset="-120"/>
                 <a:ea typeface="微軟正黑體" panose="020B0604030504040204" pitchFamily="34" charset="-120"/>
               </a:rPr>
-              <a:t>寵物</a:t>
-            </a:r>
-            <a:r>
-              <a:rPr lang="zh-TW" altLang="en-US" sz="4800" b="1" dirty="0">
+              <a:t>寵物保健</a:t>
+            </a:r>
+            <a:r>
+              <a:rPr lang="zh-TW" altLang="en-US" b="1" dirty="0">
                 <a:solidFill>
                   <a:srgbClr val="0066CC"/>
                 </a:solidFill>
                 <a:latin typeface="微軟正黑體" panose="020B0604030504040204" pitchFamily="34" charset="-120"/>
                 <a:ea typeface="微軟正黑體" panose="020B0604030504040204" pitchFamily="34" charset="-120"/>
               </a:rPr>
-              <a:t>飼料</a:t>
-            </a:r>
-            <a:r>
-              <a:rPr lang="zh-TW" altLang="en-US" sz="4800" b="1" dirty="0" smtClean="0">
+              <a:t>品</a:t>
+            </a:r>
+            <a:r>
+              <a:rPr lang="zh-TW" altLang="en-US" b="1" dirty="0" smtClean="0">
                 <a:solidFill>
                   <a:srgbClr val="0066CC"/>
                 </a:solidFill>
@@ -10370,7 +10370,7 @@
               </a:rPr>
               <a:t>管理</a:t>
             </a:r>
-            <a:endParaRPr lang="zh-TW" altLang="en-US" sz="4800" b="1" dirty="0">
+            <a:endParaRPr lang="zh-TW" altLang="en-US" b="1" dirty="0">
               <a:solidFill>
                 <a:schemeClr val="bg1"/>
               </a:solidFill>
@@ -10889,28 +10889,22 @@
       </p:sp>
       <p:pic>
         <p:nvPicPr>
-          <p:cNvPr id="6" name="圖片 5"/>
+          <p:cNvPr id="4" name="圖片 3"/>
           <p:cNvPicPr>
             <a:picLocks noChangeAspect="1"/>
           </p:cNvPicPr>
           <p:nvPr/>
         </p:nvPicPr>
         <p:blipFill>
-          <a:blip r:embed="rId3" cstate="print">
-            <a:extLst>
-              <a:ext uri="{28A0092B-C50C-407E-A947-70E740481C1C}">
-                <a14:useLocalDpi xmlns:a14="http://schemas.microsoft.com/office/drawing/2010/main" val="0"/>
-              </a:ext>
-            </a:extLst>
-          </a:blip>
+          <a:blip r:embed="rId3"/>
           <a:stretch>
             <a:fillRect/>
           </a:stretch>
         </p:blipFill>
         <p:spPr>
           <a:xfrm>
-            <a:off x="2915816" y="1646237"/>
-            <a:ext cx="5868144" cy="2906565"/>
+            <a:off x="2411760" y="1646238"/>
+            <a:ext cx="6457321" cy="3198392"/>
           </a:xfrm>
           <a:prstGeom prst="rect">
             <a:avLst/>
